--- a/AMS2018/slidesForGH.pptx
+++ b/AMS2018/slidesForGH.pptx
@@ -6,6 +6,7 @@
   </p:sldMasterIdLst>
   <p:sldIdLst>
     <p:sldId id="256" r:id="rId2"/>
+    <p:sldId id="257" r:id="rId3"/>
   </p:sldIdLst>
   <p:sldSz cx="12192000" cy="6858000"/>
   <p:notesSz cx="6858000" cy="9144000"/>
@@ -104,6 +105,11 @@
       </a:defRPr>
     </a:lvl9pPr>
   </p:defaultTextStyle>
+  <p:extLst>
+    <p:ext uri="{EFAFB233-063F-42B5-8137-9DF3F51BA10A}">
+      <p15:sldGuideLst xmlns:p15="http://schemas.microsoft.com/office/powerpoint/2012/main"/>
+    </p:ext>
+  </p:extLst>
 </p:presentation>
 </file>
 
@@ -238,7 +244,7 @@
           <a:p>
             <a:fld id="{15D1B82D-A968-40CF-9C9F-7D88ED34B03C}" type="datetimeFigureOut">
               <a:rPr lang="en-US" smtClean="0"/>
-              <a:t>3/19/2018</a:t>
+              <a:t>3/22/2018</a:t>
             </a:fld>
             <a:endParaRPr lang="en-US"/>
           </a:p>
@@ -408,7 +414,7 @@
           <a:p>
             <a:fld id="{15D1B82D-A968-40CF-9C9F-7D88ED34B03C}" type="datetimeFigureOut">
               <a:rPr lang="en-US" smtClean="0"/>
-              <a:t>3/19/2018</a:t>
+              <a:t>3/22/2018</a:t>
             </a:fld>
             <a:endParaRPr lang="en-US"/>
           </a:p>
@@ -588,7 +594,7 @@
           <a:p>
             <a:fld id="{15D1B82D-A968-40CF-9C9F-7D88ED34B03C}" type="datetimeFigureOut">
               <a:rPr lang="en-US" smtClean="0"/>
-              <a:t>3/19/2018</a:t>
+              <a:t>3/22/2018</a:t>
             </a:fld>
             <a:endParaRPr lang="en-US"/>
           </a:p>
@@ -758,7 +764,7 @@
           <a:p>
             <a:fld id="{15D1B82D-A968-40CF-9C9F-7D88ED34B03C}" type="datetimeFigureOut">
               <a:rPr lang="en-US" smtClean="0"/>
-              <a:t>3/19/2018</a:t>
+              <a:t>3/22/2018</a:t>
             </a:fld>
             <a:endParaRPr lang="en-US"/>
           </a:p>
@@ -1004,7 +1010,7 @@
           <a:p>
             <a:fld id="{15D1B82D-A968-40CF-9C9F-7D88ED34B03C}" type="datetimeFigureOut">
               <a:rPr lang="en-US" smtClean="0"/>
-              <a:t>3/19/2018</a:t>
+              <a:t>3/22/2018</a:t>
             </a:fld>
             <a:endParaRPr lang="en-US"/>
           </a:p>
@@ -1236,7 +1242,7 @@
           <a:p>
             <a:fld id="{15D1B82D-A968-40CF-9C9F-7D88ED34B03C}" type="datetimeFigureOut">
               <a:rPr lang="en-US" smtClean="0"/>
-              <a:t>3/19/2018</a:t>
+              <a:t>3/22/2018</a:t>
             </a:fld>
             <a:endParaRPr lang="en-US"/>
           </a:p>
@@ -1603,7 +1609,7 @@
           <a:p>
             <a:fld id="{15D1B82D-A968-40CF-9C9F-7D88ED34B03C}" type="datetimeFigureOut">
               <a:rPr lang="en-US" smtClean="0"/>
-              <a:t>3/19/2018</a:t>
+              <a:t>3/22/2018</a:t>
             </a:fld>
             <a:endParaRPr lang="en-US"/>
           </a:p>
@@ -1721,7 +1727,7 @@
           <a:p>
             <a:fld id="{15D1B82D-A968-40CF-9C9F-7D88ED34B03C}" type="datetimeFigureOut">
               <a:rPr lang="en-US" smtClean="0"/>
-              <a:t>3/19/2018</a:t>
+              <a:t>3/22/2018</a:t>
             </a:fld>
             <a:endParaRPr lang="en-US"/>
           </a:p>
@@ -1816,7 +1822,7 @@
           <a:p>
             <a:fld id="{15D1B82D-A968-40CF-9C9F-7D88ED34B03C}" type="datetimeFigureOut">
               <a:rPr lang="en-US" smtClean="0"/>
-              <a:t>3/19/2018</a:t>
+              <a:t>3/22/2018</a:t>
             </a:fld>
             <a:endParaRPr lang="en-US"/>
           </a:p>
@@ -2093,7 +2099,7 @@
           <a:p>
             <a:fld id="{15D1B82D-A968-40CF-9C9F-7D88ED34B03C}" type="datetimeFigureOut">
               <a:rPr lang="en-US" smtClean="0"/>
-              <a:t>3/19/2018</a:t>
+              <a:t>3/22/2018</a:t>
             </a:fld>
             <a:endParaRPr lang="en-US"/>
           </a:p>
@@ -2346,7 +2352,7 @@
           <a:p>
             <a:fld id="{15D1B82D-A968-40CF-9C9F-7D88ED34B03C}" type="datetimeFigureOut">
               <a:rPr lang="en-US" smtClean="0"/>
-              <a:t>3/19/2018</a:t>
+              <a:t>3/22/2018</a:t>
             </a:fld>
             <a:endParaRPr lang="en-US"/>
           </a:p>
@@ -2559,7 +2565,7 @@
           <a:p>
             <a:fld id="{15D1B82D-A968-40CF-9C9F-7D88ED34B03C}" type="datetimeFigureOut">
               <a:rPr lang="en-US" smtClean="0"/>
-              <a:t>3/19/2018</a:t>
+              <a:t>3/22/2018</a:t>
             </a:fld>
             <a:endParaRPr lang="en-US"/>
           </a:p>
@@ -3284,11 +3290,7 @@
           <a:p>
             <a:r>
               <a:rPr lang="en-US" sz="1400" dirty="0" smtClean="0"/>
-              <a:t>Daily </a:t>
-            </a:r>
-            <a:r>
-              <a:rPr lang="en-US" sz="1400" dirty="0" smtClean="0"/>
-              <a:t>and monthly data products</a:t>
+              <a:t>Daily and monthly data products</a:t>
             </a:r>
             <a:endParaRPr lang="en-US" sz="1400" dirty="0"/>
           </a:p>
@@ -3365,11 +3367,7 @@
           <a:p>
             <a:r>
               <a:rPr lang="en-US" sz="1400" dirty="0" smtClean="0"/>
-              <a:t>Hourly </a:t>
-            </a:r>
-            <a:r>
-              <a:rPr lang="en-US" sz="1400" dirty="0" smtClean="0"/>
-              <a:t>data products</a:t>
+              <a:t>Hourly data products</a:t>
             </a:r>
             <a:endParaRPr lang="en-US" sz="1400" dirty="0"/>
           </a:p>
@@ -3648,11 +3646,7 @@
           <a:p>
             <a:r>
               <a:rPr lang="en-US" sz="1400" dirty="0" smtClean="0"/>
-              <a:t>10-minute </a:t>
-            </a:r>
-            <a:r>
-              <a:rPr lang="en-US" sz="1400" dirty="0" smtClean="0"/>
-              <a:t>data products</a:t>
+              <a:t>10-minute data products</a:t>
             </a:r>
             <a:endParaRPr lang="en-US" sz="1400" dirty="0"/>
           </a:p>
@@ -3784,45 +3778,8 @@
                   <a:srgbClr val="FF0000"/>
                 </a:solidFill>
               </a:rPr>
-              <a:t> </a:t>
-            </a:r>
-            <a:r>
-              <a:rPr lang="en-US" sz="1600" dirty="0" smtClean="0">
-                <a:solidFill>
-                  <a:srgbClr val="FF0000"/>
-                </a:solidFill>
-              </a:rPr>
-              <a:t>abbreviations, repositories</a:t>
-            </a:r>
-            <a:r>
-              <a:rPr lang="en-US" sz="1600" dirty="0" smtClean="0">
-                <a:solidFill>
-                  <a:srgbClr val="FF0000"/>
-                </a:solidFill>
-              </a:rPr>
-              <a:t>, </a:t>
-            </a:r>
-            <a:r>
-              <a:rPr lang="en-US" sz="1600" dirty="0" smtClean="0">
-                <a:solidFill>
-                  <a:srgbClr val="FF0000"/>
-                </a:solidFill>
-              </a:rPr>
-              <a:t>time </a:t>
-            </a:r>
-            <a:r>
-              <a:rPr lang="en-US" sz="1600" dirty="0" smtClean="0">
-                <a:solidFill>
-                  <a:srgbClr val="FF0000"/>
-                </a:solidFill>
-              </a:rPr>
-              <a:t>scales &amp; station identifiers</a:t>
-            </a:r>
-            <a:endParaRPr lang="en-US" sz="1600" dirty="0" smtClean="0">
-              <a:solidFill>
-                <a:srgbClr val="FF0000"/>
-              </a:solidFill>
-            </a:endParaRPr>
+              <a:t> abbreviations, repositories, time scales &amp; station identifiers</a:t>
+            </a:r>
           </a:p>
         </p:txBody>
       </p:sp>
@@ -3897,6 +3854,721 @@
     <p:extLst>
       <p:ext uri="{BB962C8B-B14F-4D97-AF65-F5344CB8AC3E}">
         <p14:creationId xmlns:p14="http://schemas.microsoft.com/office/powerpoint/2010/main" val="997230696"/>
+      </p:ext>
+    </p:extLst>
+  </p:cSld>
+  <p:clrMapOvr>
+    <a:masterClrMapping/>
+  </p:clrMapOvr>
+</p:sld>
+</file>
+
+<file path=ppt/slides/slide2.xml><?xml version="1.0" encoding="utf-8"?>
+<p:sld xmlns:a="http://schemas.openxmlformats.org/drawingml/2006/main" xmlns:r="http://schemas.openxmlformats.org/officeDocument/2006/relationships" xmlns:p="http://schemas.openxmlformats.org/presentationml/2006/main">
+  <p:cSld>
+    <p:spTree>
+      <p:nvGrpSpPr>
+        <p:cNvPr id="1" name=""/>
+        <p:cNvGrpSpPr/>
+        <p:nvPr/>
+      </p:nvGrpSpPr>
+      <p:grpSpPr>
+        <a:xfrm>
+          <a:off x="0" y="0"/>
+          <a:ext cx="0" cy="0"/>
+          <a:chOff x="0" y="0"/>
+          <a:chExt cx="0" cy="0"/>
+        </a:xfrm>
+      </p:grpSpPr>
+      <p:sp>
+        <p:nvSpPr>
+          <p:cNvPr id="5" name="Rectangle 4"/>
+          <p:cNvSpPr/>
+          <p:nvPr/>
+        </p:nvSpPr>
+        <p:spPr>
+          <a:xfrm>
+            <a:off x="1979464" y="2099741"/>
+            <a:ext cx="5107136" cy="738664"/>
+          </a:xfrm>
+          <a:prstGeom prst="rect">
+            <a:avLst/>
+          </a:prstGeom>
+        </p:spPr>
+        <p:txBody>
+          <a:bodyPr wrap="square">
+            <a:spAutoFit/>
+          </a:bodyPr>
+          <a:lstStyle/>
+          <a:p>
+            <a:r>
+              <a:rPr lang="en-US" sz="2400" b="1" dirty="0" smtClean="0"/>
+              <a:t>Need accurate station metadata!!</a:t>
+            </a:r>
+          </a:p>
+          <a:p>
+            <a:pPr marL="285750" indent="-285750">
+              <a:buFont typeface="Arial" panose="020B0604020202020204" pitchFamily="34" charset="0"/>
+              <a:buChar char="•"/>
+            </a:pPr>
+            <a:endParaRPr lang="en-US" dirty="0"/>
+          </a:p>
+        </p:txBody>
+      </p:sp>
+      <p:sp>
+        <p:nvSpPr>
+          <p:cNvPr id="6" name="Rectangle 5"/>
+          <p:cNvSpPr/>
+          <p:nvPr/>
+        </p:nvSpPr>
+        <p:spPr>
+          <a:xfrm>
+            <a:off x="209164" y="3199178"/>
+            <a:ext cx="4572000" cy="2031325"/>
+          </a:xfrm>
+          <a:prstGeom prst="rect">
+            <a:avLst/>
+          </a:prstGeom>
+        </p:spPr>
+        <p:txBody>
+          <a:bodyPr>
+            <a:spAutoFit/>
+          </a:bodyPr>
+          <a:lstStyle/>
+          <a:p>
+            <a:pPr marL="285750" indent="-285750">
+              <a:buSzPts val="1800"/>
+              <a:buFont typeface="Arial" panose="020B0604020202020204" pitchFamily="34" charset="0"/>
+              <a:buChar char="•"/>
+            </a:pPr>
+            <a:r>
+              <a:rPr lang="en-US" dirty="0" smtClean="0">
+                <a:solidFill>
+                  <a:srgbClr val="000000"/>
+                </a:solidFill>
+                <a:latin typeface="Calibri" panose="020F0502020204030204" pitchFamily="34" charset="0"/>
+              </a:rPr>
+              <a:t>Site Name(s)</a:t>
+            </a:r>
+          </a:p>
+          <a:p>
+            <a:pPr marL="285750" indent="-285750">
+              <a:buSzPts val="1800"/>
+              <a:buFont typeface="Arial" panose="020B0604020202020204" pitchFamily="34" charset="0"/>
+              <a:buChar char="•"/>
+            </a:pPr>
+            <a:r>
+              <a:rPr lang="en-US" dirty="0" smtClean="0">
+                <a:solidFill>
+                  <a:srgbClr val="000000"/>
+                </a:solidFill>
+                <a:latin typeface="Calibri" panose="020F0502020204030204" pitchFamily="34" charset="0"/>
+              </a:rPr>
+              <a:t>Site </a:t>
+            </a:r>
+            <a:r>
+              <a:rPr lang="en-US" dirty="0">
+                <a:solidFill>
+                  <a:srgbClr val="000000"/>
+                </a:solidFill>
+                <a:latin typeface="Calibri" panose="020F0502020204030204" pitchFamily="34" charset="0"/>
+              </a:rPr>
+              <a:t>IDs </a:t>
+            </a:r>
+            <a:r>
+              <a:rPr lang="en-US" dirty="0" smtClean="0">
+                <a:solidFill>
+                  <a:srgbClr val="000000"/>
+                </a:solidFill>
+                <a:latin typeface="Calibri" panose="020F0502020204030204" pitchFamily="34" charset="0"/>
+              </a:rPr>
+              <a:t>(e.g</a:t>
+            </a:r>
+            <a:r>
+              <a:rPr lang="en-US" dirty="0">
+                <a:solidFill>
+                  <a:srgbClr val="000000"/>
+                </a:solidFill>
+                <a:latin typeface="Calibri" panose="020F0502020204030204" pitchFamily="34" charset="0"/>
+              </a:rPr>
+              <a:t>., NCDC, WBAN, </a:t>
+            </a:r>
+            <a:r>
+              <a:rPr lang="en-US" dirty="0" smtClean="0">
+                <a:solidFill>
+                  <a:srgbClr val="000000"/>
+                </a:solidFill>
+                <a:latin typeface="Calibri" panose="020F0502020204030204" pitchFamily="34" charset="0"/>
+              </a:rPr>
+              <a:t>GHCND)</a:t>
+            </a:r>
+          </a:p>
+          <a:p>
+            <a:pPr marL="285750" indent="-285750">
+              <a:buSzPts val="1800"/>
+              <a:buFont typeface="Arial" panose="020B0604020202020204" pitchFamily="34" charset="0"/>
+              <a:buChar char="•"/>
+            </a:pPr>
+            <a:r>
+              <a:rPr lang="pt-BR" dirty="0" smtClean="0">
+                <a:solidFill>
+                  <a:srgbClr val="000000"/>
+                </a:solidFill>
+                <a:latin typeface="Calibri" panose="020F0502020204030204" pitchFamily="34" charset="0"/>
+              </a:rPr>
+              <a:t>Platform(s</a:t>
+            </a:r>
+            <a:r>
+              <a:rPr lang="pt-BR" dirty="0">
+                <a:solidFill>
+                  <a:srgbClr val="000000"/>
+                </a:solidFill>
+                <a:latin typeface="Calibri" panose="020F0502020204030204" pitchFamily="34" charset="0"/>
+              </a:rPr>
+              <a:t>) (e.g., COOP, AWOS, </a:t>
+            </a:r>
+            <a:r>
+              <a:rPr lang="pt-BR" dirty="0" smtClean="0">
+                <a:solidFill>
+                  <a:srgbClr val="000000"/>
+                </a:solidFill>
+                <a:latin typeface="Calibri" panose="020F0502020204030204" pitchFamily="34" charset="0"/>
+              </a:rPr>
+              <a:t>NEON)</a:t>
+            </a:r>
+          </a:p>
+          <a:p>
+            <a:pPr marL="285750" indent="-285750">
+              <a:buSzPts val="1800"/>
+              <a:buFont typeface="Arial" panose="020B0604020202020204" pitchFamily="34" charset="0"/>
+              <a:buChar char="•"/>
+            </a:pPr>
+            <a:r>
+              <a:rPr lang="en-US" dirty="0" smtClean="0">
+                <a:solidFill>
+                  <a:srgbClr val="000000"/>
+                </a:solidFill>
+                <a:latin typeface="Calibri" panose="020F0502020204030204" pitchFamily="34" charset="0"/>
+              </a:rPr>
+              <a:t>Geolocation </a:t>
+            </a:r>
+            <a:r>
+              <a:rPr lang="en-US" dirty="0">
+                <a:solidFill>
+                  <a:srgbClr val="000000"/>
+                </a:solidFill>
+                <a:latin typeface="Calibri" panose="020F0502020204030204" pitchFamily="34" charset="0"/>
+              </a:rPr>
+              <a:t>data </a:t>
+            </a:r>
+            <a:endParaRPr lang="en-US" dirty="0" smtClean="0">
+              <a:solidFill>
+                <a:srgbClr val="000000"/>
+              </a:solidFill>
+              <a:latin typeface="Calibri" panose="020F0502020204030204" pitchFamily="34" charset="0"/>
+            </a:endParaRPr>
+          </a:p>
+          <a:p>
+            <a:pPr marL="742950" lvl="1" indent="-285750">
+              <a:buSzPts val="1800"/>
+              <a:buFont typeface="Arial" panose="020B0604020202020204" pitchFamily="34" charset="0"/>
+              <a:buChar char="•"/>
+            </a:pPr>
+            <a:r>
+              <a:rPr lang="en-US" dirty="0" smtClean="0">
+                <a:solidFill>
+                  <a:srgbClr val="000000"/>
+                </a:solidFill>
+                <a:latin typeface="Calibri" panose="020F0502020204030204" pitchFamily="34" charset="0"/>
+              </a:rPr>
+              <a:t>Latitude</a:t>
+            </a:r>
+          </a:p>
+          <a:p>
+            <a:pPr marL="742950" lvl="1" indent="-285750">
+              <a:buSzPts val="1800"/>
+              <a:buFont typeface="Arial" panose="020B0604020202020204" pitchFamily="34" charset="0"/>
+              <a:buChar char="•"/>
+            </a:pPr>
+            <a:r>
+              <a:rPr lang="en-US" dirty="0" smtClean="0">
+                <a:solidFill>
+                  <a:srgbClr val="000000"/>
+                </a:solidFill>
+                <a:latin typeface="Calibri" panose="020F0502020204030204" pitchFamily="34" charset="0"/>
+              </a:rPr>
+              <a:t>Longitude</a:t>
+            </a:r>
+          </a:p>
+          <a:p>
+            <a:pPr marL="742950" lvl="1" indent="-285750">
+              <a:buSzPts val="1800"/>
+              <a:buFont typeface="Arial" panose="020B0604020202020204" pitchFamily="34" charset="0"/>
+              <a:buChar char="•"/>
+            </a:pPr>
+            <a:r>
+              <a:rPr lang="en-US" dirty="0" smtClean="0">
+                <a:solidFill>
+                  <a:srgbClr val="000000"/>
+                </a:solidFill>
+                <a:latin typeface="Calibri" panose="020F0502020204030204" pitchFamily="34" charset="0"/>
+              </a:rPr>
+              <a:t>Elevation</a:t>
+            </a:r>
+          </a:p>
+        </p:txBody>
+      </p:sp>
+      <p:sp>
+        <p:nvSpPr>
+          <p:cNvPr id="7" name="Rectangle 6"/>
+          <p:cNvSpPr/>
+          <p:nvPr/>
+        </p:nvSpPr>
+        <p:spPr>
+          <a:xfrm>
+            <a:off x="4803180" y="3199178"/>
+            <a:ext cx="4181467" cy="1754326"/>
+          </a:xfrm>
+          <a:prstGeom prst="rect">
+            <a:avLst/>
+          </a:prstGeom>
+        </p:spPr>
+        <p:txBody>
+          <a:bodyPr wrap="square">
+            <a:spAutoFit/>
+          </a:bodyPr>
+          <a:lstStyle/>
+          <a:p>
+            <a:pPr marL="285750" indent="-285750">
+              <a:buSzPts val="1800"/>
+              <a:buFont typeface="Arial" panose="020B0604020202020204" pitchFamily="34" charset="0"/>
+              <a:buChar char="•"/>
+            </a:pPr>
+            <a:r>
+              <a:rPr lang="en-US" dirty="0">
+                <a:solidFill>
+                  <a:srgbClr val="000000"/>
+                </a:solidFill>
+                <a:latin typeface="Calibri" panose="020F0502020204030204" pitchFamily="34" charset="0"/>
+              </a:rPr>
+              <a:t>Absolute dates (site</a:t>
+            </a:r>
+            <a:r>
+              <a:rPr lang="en-US" dirty="0" smtClean="0">
+                <a:solidFill>
+                  <a:srgbClr val="000000"/>
+                </a:solidFill>
+                <a:latin typeface="Calibri" panose="020F0502020204030204" pitchFamily="34" charset="0"/>
+              </a:rPr>
+              <a:t>)</a:t>
+            </a:r>
+          </a:p>
+          <a:p>
+            <a:pPr marL="285750" indent="-285750">
+              <a:buSzPts val="1800"/>
+              <a:buFont typeface="Arial" panose="020B0604020202020204" pitchFamily="34" charset="0"/>
+              <a:buChar char="•"/>
+            </a:pPr>
+            <a:r>
+              <a:rPr lang="en-US" dirty="0" smtClean="0">
+                <a:solidFill>
+                  <a:srgbClr val="000000"/>
+                </a:solidFill>
+                <a:latin typeface="Calibri" panose="020F0502020204030204" pitchFamily="34" charset="0"/>
+              </a:rPr>
+              <a:t>Variables </a:t>
+            </a:r>
+            <a:r>
+              <a:rPr lang="en-US" dirty="0">
+                <a:solidFill>
+                  <a:srgbClr val="000000"/>
+                </a:solidFill>
+                <a:latin typeface="Calibri" panose="020F0502020204030204" pitchFamily="34" charset="0"/>
+              </a:rPr>
+              <a:t>measured (e.g., air temp, precipitation, etc</a:t>
+            </a:r>
+            <a:r>
+              <a:rPr lang="en-US" dirty="0" smtClean="0">
+                <a:solidFill>
+                  <a:srgbClr val="000000"/>
+                </a:solidFill>
+                <a:latin typeface="Calibri" panose="020F0502020204030204" pitchFamily="34" charset="0"/>
+              </a:rPr>
+              <a:t>.)</a:t>
+            </a:r>
+          </a:p>
+          <a:p>
+            <a:pPr marL="285750" indent="-285750">
+              <a:buSzPts val="1800"/>
+              <a:buFont typeface="Arial" panose="020B0604020202020204" pitchFamily="34" charset="0"/>
+              <a:buChar char="•"/>
+            </a:pPr>
+            <a:r>
+              <a:rPr lang="en-US" dirty="0" smtClean="0">
+                <a:solidFill>
+                  <a:srgbClr val="000000"/>
+                </a:solidFill>
+                <a:latin typeface="Calibri" panose="020F0502020204030204" pitchFamily="34" charset="0"/>
+              </a:rPr>
+              <a:t>active </a:t>
+            </a:r>
+            <a:r>
+              <a:rPr lang="en-US" dirty="0">
+                <a:solidFill>
+                  <a:srgbClr val="000000"/>
+                </a:solidFill>
+                <a:latin typeface="Calibri" panose="020F0502020204030204" pitchFamily="34" charset="0"/>
+              </a:rPr>
+              <a:t>dates for </a:t>
+            </a:r>
+            <a:r>
+              <a:rPr lang="en-US" dirty="0" smtClean="0">
+                <a:solidFill>
+                  <a:srgbClr val="000000"/>
+                </a:solidFill>
+                <a:latin typeface="Calibri" panose="020F0502020204030204" pitchFamily="34" charset="0"/>
+              </a:rPr>
+              <a:t>each measured phenomenon</a:t>
+            </a:r>
+          </a:p>
+          <a:p>
+            <a:pPr marL="285750" indent="-285750">
+              <a:buSzPts val="1800"/>
+              <a:buFont typeface="Arial" panose="020B0604020202020204" pitchFamily="34" charset="0"/>
+              <a:buChar char="•"/>
+            </a:pPr>
+            <a:r>
+              <a:rPr lang="en-US" dirty="0" smtClean="0">
+                <a:solidFill>
+                  <a:srgbClr val="000000"/>
+                </a:solidFill>
+                <a:latin typeface="Calibri" panose="020F0502020204030204" pitchFamily="34" charset="0"/>
+              </a:rPr>
+              <a:t>Temporal Resolution of data product(s)</a:t>
+            </a:r>
+            <a:endParaRPr lang="en-US" dirty="0"/>
+          </a:p>
+        </p:txBody>
+      </p:sp>
+      <p:sp>
+        <p:nvSpPr>
+          <p:cNvPr id="8" name="Rectangle 7"/>
+          <p:cNvSpPr/>
+          <p:nvPr/>
+        </p:nvSpPr>
+        <p:spPr bwMode="auto">
+          <a:xfrm>
+            <a:off x="231180" y="3199178"/>
+            <a:ext cx="4008633" cy="2031325"/>
+          </a:xfrm>
+          <a:prstGeom prst="rect">
+            <a:avLst/>
+          </a:prstGeom>
+          <a:noFill/>
+          <a:ln w="38100" cap="flat" cmpd="sng" algn="ctr">
+            <a:solidFill>
+              <a:srgbClr val="00B050"/>
+            </a:solidFill>
+            <a:prstDash val="solid"/>
+            <a:round/>
+            <a:headEnd type="none" w="med" len="med"/>
+            <a:tailEnd type="none" w="med" len="med"/>
+          </a:ln>
+          <a:effectLst/>
+        </p:spPr>
+        <p:txBody>
+          <a:bodyPr vert="horz" wrap="square" lIns="91440" tIns="45720" rIns="91440" bIns="45720" numCol="1" rtlCol="0" anchor="t" anchorCtr="0" compatLnSpc="1">
+            <a:prstTxWarp prst="textNoShape">
+              <a:avLst/>
+            </a:prstTxWarp>
+            <a:noAutofit/>
+          </a:bodyPr>
+          <a:lstStyle/>
+          <a:p>
+            <a:pPr marL="0" marR="0" indent="0" algn="ctr" defTabSz="914400" rtl="0" eaLnBrk="1" fontAlgn="base" latinLnBrk="0" hangingPunct="1">
+              <a:lnSpc>
+                <a:spcPct val="100000"/>
+              </a:lnSpc>
+              <a:spcBef>
+                <a:spcPct val="0"/>
+              </a:spcBef>
+              <a:spcAft>
+                <a:spcPct val="0"/>
+              </a:spcAft>
+              <a:buClrTx/>
+              <a:buSzTx/>
+              <a:buFontTx/>
+              <a:buNone/>
+              <a:tabLst/>
+            </a:pPr>
+            <a:endParaRPr kumimoji="0" lang="en-US" sz="1800" b="0" i="0" u="none" strike="noStrike" cap="none" normalizeH="0" baseline="0" smtClean="0">
+              <a:ln>
+                <a:noFill/>
+              </a:ln>
+              <a:solidFill>
+                <a:schemeClr val="tx1"/>
+              </a:solidFill>
+              <a:effectLst/>
+              <a:latin typeface="Arial" charset="0"/>
+            </a:endParaRPr>
+          </a:p>
+        </p:txBody>
+      </p:sp>
+      <p:sp>
+        <p:nvSpPr>
+          <p:cNvPr id="9" name="Rectangle 8"/>
+          <p:cNvSpPr/>
+          <p:nvPr/>
+        </p:nvSpPr>
+        <p:spPr bwMode="auto">
+          <a:xfrm>
+            <a:off x="4650780" y="3199178"/>
+            <a:ext cx="4333867" cy="2031325"/>
+          </a:xfrm>
+          <a:prstGeom prst="rect">
+            <a:avLst/>
+          </a:prstGeom>
+          <a:noFill/>
+          <a:ln w="38100" cap="flat" cmpd="sng" algn="ctr">
+            <a:solidFill>
+              <a:schemeClr val="accent2"/>
+            </a:solidFill>
+            <a:prstDash val="dash"/>
+            <a:round/>
+            <a:headEnd type="none" w="med" len="med"/>
+            <a:tailEnd type="none" w="med" len="med"/>
+          </a:ln>
+          <a:effectLst/>
+        </p:spPr>
+        <p:txBody>
+          <a:bodyPr vert="horz" wrap="square" lIns="91440" tIns="45720" rIns="91440" bIns="45720" numCol="1" rtlCol="0" anchor="t" anchorCtr="0" compatLnSpc="1">
+            <a:prstTxWarp prst="textNoShape">
+              <a:avLst/>
+            </a:prstTxWarp>
+            <a:noAutofit/>
+          </a:bodyPr>
+          <a:lstStyle/>
+          <a:p>
+            <a:pPr marL="0" marR="0" indent="0" algn="ctr" defTabSz="914400" rtl="0" eaLnBrk="1" fontAlgn="base" latinLnBrk="0" hangingPunct="1">
+              <a:lnSpc>
+                <a:spcPct val="100000"/>
+              </a:lnSpc>
+              <a:spcBef>
+                <a:spcPct val="0"/>
+              </a:spcBef>
+              <a:spcAft>
+                <a:spcPct val="0"/>
+              </a:spcAft>
+              <a:buClrTx/>
+              <a:buSzTx/>
+              <a:buFontTx/>
+              <a:buNone/>
+              <a:tabLst/>
+            </a:pPr>
+            <a:endParaRPr kumimoji="0" lang="en-US" sz="1800" b="0" i="0" u="none" strike="noStrike" cap="none" normalizeH="0" baseline="0" smtClean="0">
+              <a:ln>
+                <a:noFill/>
+              </a:ln>
+              <a:solidFill>
+                <a:schemeClr val="tx1"/>
+              </a:solidFill>
+              <a:effectLst/>
+              <a:latin typeface="Arial" charset="0"/>
+            </a:endParaRPr>
+          </a:p>
+        </p:txBody>
+      </p:sp>
+      <p:sp>
+        <p:nvSpPr>
+          <p:cNvPr id="10" name="Rectangle 9"/>
+          <p:cNvSpPr/>
+          <p:nvPr/>
+        </p:nvSpPr>
+        <p:spPr>
+          <a:xfrm>
+            <a:off x="295940" y="1010447"/>
+            <a:ext cx="8578094" cy="984885"/>
+          </a:xfrm>
+          <a:prstGeom prst="rect">
+            <a:avLst/>
+          </a:prstGeom>
+        </p:spPr>
+        <p:txBody>
+          <a:bodyPr wrap="square">
+            <a:spAutoFit/>
+          </a:bodyPr>
+          <a:lstStyle/>
+          <a:p>
+            <a:r>
+              <a:rPr lang="en-US" sz="2000" dirty="0" smtClean="0"/>
+              <a:t>I need </a:t>
+            </a:r>
+            <a:r>
+              <a:rPr lang="en-US" sz="2000" i="1" u="sng" dirty="0" smtClean="0">
+                <a:solidFill>
+                  <a:schemeClr val="accent2"/>
+                </a:solidFill>
+              </a:rPr>
+              <a:t>[environmental phenomenon] </a:t>
+            </a:r>
+            <a:r>
+              <a:rPr lang="en-US" sz="2000" i="1" dirty="0" smtClean="0">
+                <a:solidFill>
+                  <a:schemeClr val="accent2"/>
+                </a:solidFill>
+              </a:rPr>
+              <a:t> </a:t>
+            </a:r>
+            <a:r>
+              <a:rPr lang="en-US" sz="2000" dirty="0" smtClean="0"/>
+              <a:t>data for </a:t>
+            </a:r>
+            <a:r>
+              <a:rPr lang="en-US" sz="2000" i="1" u="sng" dirty="0" smtClean="0">
+                <a:solidFill>
+                  <a:srgbClr val="00B050"/>
+                </a:solidFill>
+              </a:rPr>
+              <a:t>[spatial region of interest]</a:t>
+            </a:r>
+            <a:r>
+              <a:rPr lang="en-US" sz="2000" dirty="0">
+                <a:solidFill>
+                  <a:srgbClr val="00B050"/>
+                </a:solidFill>
+              </a:rPr>
+              <a:t> </a:t>
+            </a:r>
+            <a:r>
+              <a:rPr lang="en-US" sz="2000" dirty="0" smtClean="0"/>
+              <a:t>from </a:t>
+            </a:r>
+            <a:r>
+              <a:rPr lang="en-US" sz="2000" i="1" u="sng" dirty="0" smtClean="0">
+                <a:solidFill>
+                  <a:schemeClr val="accent2"/>
+                </a:solidFill>
+              </a:rPr>
+              <a:t>[start date] </a:t>
+            </a:r>
+            <a:r>
+              <a:rPr lang="en-US" sz="2000" dirty="0" smtClean="0"/>
+              <a:t>to </a:t>
+            </a:r>
+            <a:r>
+              <a:rPr lang="en-US" sz="2000" i="1" u="sng" dirty="0" smtClean="0">
+                <a:solidFill>
+                  <a:schemeClr val="accent2"/>
+                </a:solidFill>
+              </a:rPr>
+              <a:t>[end date]</a:t>
+            </a:r>
+            <a:r>
+              <a:rPr lang="en-US" sz="2000" dirty="0">
+                <a:solidFill>
+                  <a:schemeClr val="accent2"/>
+                </a:solidFill>
+              </a:rPr>
+              <a:t> </a:t>
+            </a:r>
+            <a:r>
+              <a:rPr lang="en-US" sz="2000" dirty="0" smtClean="0"/>
+              <a:t>that are produced every </a:t>
+            </a:r>
+            <a:r>
+              <a:rPr lang="en-US" sz="2000" i="1" u="sng" dirty="0" smtClean="0">
+                <a:solidFill>
+                  <a:schemeClr val="accent2"/>
+                </a:solidFill>
+              </a:rPr>
+              <a:t>[temporal </a:t>
+            </a:r>
+            <a:r>
+              <a:rPr lang="en-US" sz="2000" i="1" u="sng" dirty="0">
+                <a:solidFill>
+                  <a:schemeClr val="accent2"/>
+                </a:solidFill>
+              </a:rPr>
+              <a:t>resolution] </a:t>
+            </a:r>
+            <a:endParaRPr lang="en-US" sz="2000" i="1" u="sng" dirty="0" smtClean="0">
+              <a:solidFill>
+                <a:schemeClr val="accent2"/>
+              </a:solidFill>
+            </a:endParaRPr>
+          </a:p>
+          <a:p>
+            <a:pPr marL="285750" indent="-285750">
+              <a:buFont typeface="Arial" panose="020B0604020202020204" pitchFamily="34" charset="0"/>
+              <a:buChar char="•"/>
+            </a:pPr>
+            <a:endParaRPr lang="en-US" dirty="0"/>
+          </a:p>
+        </p:txBody>
+      </p:sp>
+      <p:sp>
+        <p:nvSpPr>
+          <p:cNvPr id="11" name="TextBox 10"/>
+          <p:cNvSpPr txBox="1"/>
+          <p:nvPr/>
+        </p:nvSpPr>
+        <p:spPr>
+          <a:xfrm>
+            <a:off x="150091" y="2834126"/>
+            <a:ext cx="3151677" cy="369332"/>
+          </a:xfrm>
+          <a:prstGeom prst="rect">
+            <a:avLst/>
+          </a:prstGeom>
+          <a:noFill/>
+        </p:spPr>
+        <p:txBody>
+          <a:bodyPr wrap="square" rtlCol="0">
+            <a:spAutoFit/>
+          </a:bodyPr>
+          <a:lstStyle/>
+          <a:p>
+            <a:r>
+              <a:rPr lang="en-US" dirty="0" smtClean="0"/>
+              <a:t>Easily accessible metadata</a:t>
+            </a:r>
+            <a:endParaRPr lang="en-US" dirty="0"/>
+          </a:p>
+        </p:txBody>
+      </p:sp>
+      <p:sp>
+        <p:nvSpPr>
+          <p:cNvPr id="12" name="Rectangle 11"/>
+          <p:cNvSpPr/>
+          <p:nvPr/>
+        </p:nvSpPr>
+        <p:spPr>
+          <a:xfrm>
+            <a:off x="4567178" y="2838405"/>
+            <a:ext cx="1782860" cy="369332"/>
+          </a:xfrm>
+          <a:prstGeom prst="rect">
+            <a:avLst/>
+          </a:prstGeom>
+        </p:spPr>
+        <p:txBody>
+          <a:bodyPr wrap="none">
+            <a:spAutoFit/>
+          </a:bodyPr>
+          <a:lstStyle/>
+          <a:p>
+            <a:r>
+              <a:rPr lang="en-US" dirty="0" smtClean="0"/>
+              <a:t>Elusive metadata</a:t>
+            </a:r>
+            <a:endParaRPr lang="en-US" dirty="0"/>
+          </a:p>
+        </p:txBody>
+      </p:sp>
+    </p:spTree>
+    <p:extLst>
+      <p:ext uri="{BB962C8B-B14F-4D97-AF65-F5344CB8AC3E}">
+        <p14:creationId xmlns:p14="http://schemas.microsoft.com/office/powerpoint/2010/main" val="3525035498"/>
       </p:ext>
     </p:extLst>
   </p:cSld>

--- a/AMS2018/slidesForGH.pptx
+++ b/AMS2018/slidesForGH.pptx
@@ -7,6 +7,7 @@
   <p:sldIdLst>
     <p:sldId id="256" r:id="rId2"/>
     <p:sldId id="257" r:id="rId3"/>
+    <p:sldId id="258" r:id="rId4"/>
   </p:sldIdLst>
   <p:sldSz cx="12192000" cy="6858000"/>
   <p:notesSz cx="6858000" cy="9144000"/>
@@ -4578,6 +4579,1455 @@
 </p:sld>
 </file>
 
+<file path=ppt/slides/slide3.xml><?xml version="1.0" encoding="utf-8"?>
+<p:sld xmlns:a="http://schemas.openxmlformats.org/drawingml/2006/main" xmlns:r="http://schemas.openxmlformats.org/officeDocument/2006/relationships" xmlns:p="http://schemas.openxmlformats.org/presentationml/2006/main">
+  <p:cSld>
+    <p:spTree>
+      <p:nvGrpSpPr>
+        <p:cNvPr id="1" name=""/>
+        <p:cNvGrpSpPr/>
+        <p:nvPr/>
+      </p:nvGrpSpPr>
+      <p:grpSpPr>
+        <a:xfrm>
+          <a:off x="0" y="0"/>
+          <a:ext cx="0" cy="0"/>
+          <a:chOff x="0" y="0"/>
+          <a:chExt cx="0" cy="0"/>
+        </a:xfrm>
+      </p:grpSpPr>
+      <p:graphicFrame>
+        <p:nvGraphicFramePr>
+          <p:cNvPr id="4" name="Table 3"/>
+          <p:cNvGraphicFramePr>
+            <a:graphicFrameLocks noGrp="1"/>
+          </p:cNvGraphicFramePr>
+          <p:nvPr>
+            <p:extLst>
+              <p:ext uri="{D42A27DB-BD31-4B8C-83A1-F6EECF244321}">
+                <p14:modId xmlns:p14="http://schemas.microsoft.com/office/powerpoint/2010/main" val="3837521362"/>
+              </p:ext>
+            </p:extLst>
+          </p:nvPr>
+        </p:nvGraphicFramePr>
+        <p:xfrm>
+          <a:off x="288586" y="2130723"/>
+          <a:ext cx="4435814" cy="1924498"/>
+        </p:xfrm>
+        <a:graphic>
+          <a:graphicData uri="http://schemas.openxmlformats.org/drawingml/2006/table">
+            <a:tbl>
+              <a:tblPr firstRow="1" firstCol="1" bandRow="1"/>
+              <a:tblGrid>
+                <a:gridCol w="929789">
+                  <a:extLst>
+                    <a:ext uri="{9D8B030D-6E8A-4147-A177-3AD203B41FA5}">
+                      <a16:colId xmlns:a16="http://schemas.microsoft.com/office/drawing/2014/main" val="564047785"/>
+                    </a:ext>
+                  </a:extLst>
+                </a:gridCol>
+                <a:gridCol w="1114697">
+                  <a:extLst>
+                    <a:ext uri="{9D8B030D-6E8A-4147-A177-3AD203B41FA5}">
+                      <a16:colId xmlns:a16="http://schemas.microsoft.com/office/drawing/2014/main" val="904586902"/>
+                    </a:ext>
+                  </a:extLst>
+                </a:gridCol>
+                <a:gridCol w="2391328">
+                  <a:extLst>
+                    <a:ext uri="{9D8B030D-6E8A-4147-A177-3AD203B41FA5}">
+                      <a16:colId xmlns:a16="http://schemas.microsoft.com/office/drawing/2014/main" val="696911085"/>
+                    </a:ext>
+                  </a:extLst>
+                </a:gridCol>
+              </a:tblGrid>
+              <a:tr h="337821">
+                <a:tc>
+                  <a:txBody>
+                    <a:bodyPr/>
+                    <a:lstStyle/>
+                    <a:p>
+                      <a:pPr marL="0" marR="0">
+                        <a:lnSpc>
+                          <a:spcPct val="107000"/>
+                        </a:lnSpc>
+                        <a:spcBef>
+                          <a:spcPts val="0"/>
+                        </a:spcBef>
+                        <a:spcAft>
+                          <a:spcPts val="0"/>
+                        </a:spcAft>
+                      </a:pPr>
+                      <a:r>
+                        <a:rPr lang="en-US" sz="1600" b="1" dirty="0">
+                          <a:effectLst/>
+                          <a:latin typeface="Calibri" panose="020F0502020204030204" pitchFamily="34" charset="0"/>
+                          <a:ea typeface="Calibri" panose="020F0502020204030204" pitchFamily="34" charset="0"/>
+                          <a:cs typeface="Times New Roman" panose="02020603050405020304" pitchFamily="18" charset="0"/>
+                        </a:rPr>
+                        <a:t>n-gram </a:t>
+                      </a:r>
+                    </a:p>
+                  </a:txBody>
+                  <a:tcPr marL="68580" marR="68580" marT="0" marB="0">
+                    <a:lnL w="12700" cap="flat" cmpd="sng" algn="ctr">
+                      <a:solidFill>
+                        <a:srgbClr val="000000"/>
+                      </a:solidFill>
+                      <a:prstDash val="solid"/>
+                      <a:round/>
+                      <a:headEnd type="none" w="med" len="med"/>
+                      <a:tailEnd type="none" w="med" len="med"/>
+                    </a:lnL>
+                    <a:lnR w="12700" cap="flat" cmpd="sng" algn="ctr">
+                      <a:solidFill>
+                        <a:srgbClr val="000000"/>
+                      </a:solidFill>
+                      <a:prstDash val="solid"/>
+                      <a:round/>
+                      <a:headEnd type="none" w="med" len="med"/>
+                      <a:tailEnd type="none" w="med" len="med"/>
+                    </a:lnR>
+                    <a:lnT w="12700" cap="flat" cmpd="sng" algn="ctr">
+                      <a:solidFill>
+                        <a:srgbClr val="000000"/>
+                      </a:solidFill>
+                      <a:prstDash val="solid"/>
+                      <a:round/>
+                      <a:headEnd type="none" w="med" len="med"/>
+                      <a:tailEnd type="none" w="med" len="med"/>
+                    </a:lnT>
+                    <a:lnB w="12700" cap="flat" cmpd="sng" algn="ctr">
+                      <a:solidFill>
+                        <a:srgbClr val="000000"/>
+                      </a:solidFill>
+                      <a:prstDash val="solid"/>
+                      <a:round/>
+                      <a:headEnd type="none" w="med" len="med"/>
+                      <a:tailEnd type="none" w="med" len="med"/>
+                    </a:lnB>
+                  </a:tcPr>
+                </a:tc>
+                <a:tc>
+                  <a:txBody>
+                    <a:bodyPr/>
+                    <a:lstStyle/>
+                    <a:p>
+                      <a:pPr marL="0" marR="0">
+                        <a:lnSpc>
+                          <a:spcPct val="107000"/>
+                        </a:lnSpc>
+                        <a:spcBef>
+                          <a:spcPts val="0"/>
+                        </a:spcBef>
+                        <a:spcAft>
+                          <a:spcPts val="0"/>
+                        </a:spcAft>
+                      </a:pPr>
+                      <a:r>
+                        <a:rPr lang="en-US" sz="1600" b="1">
+                          <a:effectLst/>
+                          <a:latin typeface="Calibri" panose="020F0502020204030204" pitchFamily="34" charset="0"/>
+                          <a:ea typeface="Calibri" panose="020F0502020204030204" pitchFamily="34" charset="0"/>
+                          <a:cs typeface="Times New Roman" panose="02020603050405020304" pitchFamily="18" charset="0"/>
+                        </a:rPr>
+                        <a:t>Definition</a:t>
+                      </a:r>
+                    </a:p>
+                  </a:txBody>
+                  <a:tcPr marL="68580" marR="68580" marT="0" marB="0">
+                    <a:lnL w="12700" cap="flat" cmpd="sng" algn="ctr">
+                      <a:solidFill>
+                        <a:srgbClr val="000000"/>
+                      </a:solidFill>
+                      <a:prstDash val="solid"/>
+                      <a:round/>
+                      <a:headEnd type="none" w="med" len="med"/>
+                      <a:tailEnd type="none" w="med" len="med"/>
+                    </a:lnL>
+                    <a:lnR w="12700" cap="flat" cmpd="sng" algn="ctr">
+                      <a:solidFill>
+                        <a:srgbClr val="000000"/>
+                      </a:solidFill>
+                      <a:prstDash val="solid"/>
+                      <a:round/>
+                      <a:headEnd type="none" w="med" len="med"/>
+                      <a:tailEnd type="none" w="med" len="med"/>
+                    </a:lnR>
+                    <a:lnT w="12700" cap="flat" cmpd="sng" algn="ctr">
+                      <a:solidFill>
+                        <a:srgbClr val="000000"/>
+                      </a:solidFill>
+                      <a:prstDash val="solid"/>
+                      <a:round/>
+                      <a:headEnd type="none" w="med" len="med"/>
+                      <a:tailEnd type="none" w="med" len="med"/>
+                    </a:lnT>
+                    <a:lnB w="12700" cap="flat" cmpd="sng" algn="ctr">
+                      <a:solidFill>
+                        <a:srgbClr val="000000"/>
+                      </a:solidFill>
+                      <a:prstDash val="solid"/>
+                      <a:round/>
+                      <a:headEnd type="none" w="med" len="med"/>
+                      <a:tailEnd type="none" w="med" len="med"/>
+                    </a:lnB>
+                  </a:tcPr>
+                </a:tc>
+                <a:tc>
+                  <a:txBody>
+                    <a:bodyPr/>
+                    <a:lstStyle/>
+                    <a:p>
+                      <a:pPr marL="0" marR="0">
+                        <a:lnSpc>
+                          <a:spcPct val="107000"/>
+                        </a:lnSpc>
+                        <a:spcBef>
+                          <a:spcPts val="0"/>
+                        </a:spcBef>
+                        <a:spcAft>
+                          <a:spcPts val="0"/>
+                        </a:spcAft>
+                      </a:pPr>
+                      <a:r>
+                        <a:rPr lang="en-US" sz="1600" b="1" dirty="0">
+                          <a:effectLst/>
+                          <a:latin typeface="Calibri" panose="020F0502020204030204" pitchFamily="34" charset="0"/>
+                          <a:ea typeface="Calibri" panose="020F0502020204030204" pitchFamily="34" charset="0"/>
+                          <a:cs typeface="Times New Roman" panose="02020603050405020304" pitchFamily="18" charset="0"/>
+                        </a:rPr>
+                        <a:t>Example</a:t>
+                      </a:r>
+                    </a:p>
+                  </a:txBody>
+                  <a:tcPr marL="68580" marR="68580" marT="0" marB="0">
+                    <a:lnL w="12700" cap="flat" cmpd="sng" algn="ctr">
+                      <a:solidFill>
+                        <a:srgbClr val="000000"/>
+                      </a:solidFill>
+                      <a:prstDash val="solid"/>
+                      <a:round/>
+                      <a:headEnd type="none" w="med" len="med"/>
+                      <a:tailEnd type="none" w="med" len="med"/>
+                    </a:lnL>
+                    <a:lnR w="12700" cap="flat" cmpd="sng" algn="ctr">
+                      <a:solidFill>
+                        <a:srgbClr val="000000"/>
+                      </a:solidFill>
+                      <a:prstDash val="solid"/>
+                      <a:round/>
+                      <a:headEnd type="none" w="med" len="med"/>
+                      <a:tailEnd type="none" w="med" len="med"/>
+                    </a:lnR>
+                    <a:lnT w="12700" cap="flat" cmpd="sng" algn="ctr">
+                      <a:solidFill>
+                        <a:srgbClr val="000000"/>
+                      </a:solidFill>
+                      <a:prstDash val="solid"/>
+                      <a:round/>
+                      <a:headEnd type="none" w="med" len="med"/>
+                      <a:tailEnd type="none" w="med" len="med"/>
+                    </a:lnT>
+                    <a:lnB w="12700" cap="flat" cmpd="sng" algn="ctr">
+                      <a:solidFill>
+                        <a:srgbClr val="000000"/>
+                      </a:solidFill>
+                      <a:prstDash val="solid"/>
+                      <a:round/>
+                      <a:headEnd type="none" w="med" len="med"/>
+                      <a:tailEnd type="none" w="med" len="med"/>
+                    </a:lnB>
+                  </a:tcPr>
+                </a:tc>
+                <a:extLst>
+                  <a:ext uri="{0D108BD9-81ED-4DB2-BD59-A6C34878D82A}">
+                    <a16:rowId xmlns:a16="http://schemas.microsoft.com/office/drawing/2014/main" val="3756180999"/>
+                  </a:ext>
+                </a:extLst>
+              </a:tr>
+              <a:tr h="295562">
+                <a:tc>
+                  <a:txBody>
+                    <a:bodyPr/>
+                    <a:lstStyle/>
+                    <a:p>
+                      <a:pPr marL="0" marR="0">
+                        <a:lnSpc>
+                          <a:spcPct val="107000"/>
+                        </a:lnSpc>
+                        <a:spcBef>
+                          <a:spcPts val="0"/>
+                        </a:spcBef>
+                        <a:spcAft>
+                          <a:spcPts val="0"/>
+                        </a:spcAft>
+                      </a:pPr>
+                      <a:r>
+                        <a:rPr lang="en-US" sz="1400" dirty="0" err="1">
+                          <a:effectLst/>
+                          <a:latin typeface="Calibri" panose="020F0502020204030204" pitchFamily="34" charset="0"/>
+                          <a:ea typeface="Calibri" panose="020F0502020204030204" pitchFamily="34" charset="0"/>
+                          <a:cs typeface="Times New Roman" panose="02020603050405020304" pitchFamily="18" charset="0"/>
+                        </a:rPr>
+                        <a:t>Uni</a:t>
+                      </a:r>
+                      <a:r>
+                        <a:rPr lang="en-US" sz="1400" dirty="0">
+                          <a:effectLst/>
+                          <a:latin typeface="Calibri" panose="020F0502020204030204" pitchFamily="34" charset="0"/>
+                          <a:ea typeface="Calibri" panose="020F0502020204030204" pitchFamily="34" charset="0"/>
+                          <a:cs typeface="Times New Roman" panose="02020603050405020304" pitchFamily="18" charset="0"/>
+                        </a:rPr>
+                        <a:t>-gram</a:t>
+                      </a:r>
+                    </a:p>
+                  </a:txBody>
+                  <a:tcPr marL="68580" marR="68580" marT="0" marB="0">
+                    <a:lnL w="12700" cap="flat" cmpd="sng" algn="ctr">
+                      <a:solidFill>
+                        <a:srgbClr val="000000"/>
+                      </a:solidFill>
+                      <a:prstDash val="solid"/>
+                      <a:round/>
+                      <a:headEnd type="none" w="med" len="med"/>
+                      <a:tailEnd type="none" w="med" len="med"/>
+                    </a:lnL>
+                    <a:lnR w="12700" cap="flat" cmpd="sng" algn="ctr">
+                      <a:solidFill>
+                        <a:srgbClr val="000000"/>
+                      </a:solidFill>
+                      <a:prstDash val="solid"/>
+                      <a:round/>
+                      <a:headEnd type="none" w="med" len="med"/>
+                      <a:tailEnd type="none" w="med" len="med"/>
+                    </a:lnR>
+                    <a:lnT w="12700" cap="flat" cmpd="sng" algn="ctr">
+                      <a:solidFill>
+                        <a:srgbClr val="000000"/>
+                      </a:solidFill>
+                      <a:prstDash val="solid"/>
+                      <a:round/>
+                      <a:headEnd type="none" w="med" len="med"/>
+                      <a:tailEnd type="none" w="med" len="med"/>
+                    </a:lnT>
+                    <a:lnB w="12700" cap="flat" cmpd="sng" algn="ctr">
+                      <a:solidFill>
+                        <a:srgbClr val="000000"/>
+                      </a:solidFill>
+                      <a:prstDash val="solid"/>
+                      <a:round/>
+                      <a:headEnd type="none" w="med" len="med"/>
+                      <a:tailEnd type="none" w="med" len="med"/>
+                    </a:lnB>
+                  </a:tcPr>
+                </a:tc>
+                <a:tc>
+                  <a:txBody>
+                    <a:bodyPr/>
+                    <a:lstStyle/>
+                    <a:p>
+                      <a:pPr marL="0" marR="0">
+                        <a:lnSpc>
+                          <a:spcPct val="107000"/>
+                        </a:lnSpc>
+                        <a:spcBef>
+                          <a:spcPts val="0"/>
+                        </a:spcBef>
+                        <a:spcAft>
+                          <a:spcPts val="0"/>
+                        </a:spcAft>
+                      </a:pPr>
+                      <a:r>
+                        <a:rPr lang="en-US" sz="1400">
+                          <a:effectLst/>
+                          <a:latin typeface="Calibri" panose="020F0502020204030204" pitchFamily="34" charset="0"/>
+                          <a:ea typeface="Calibri" panose="020F0502020204030204" pitchFamily="34" charset="0"/>
+                          <a:cs typeface="Times New Roman" panose="02020603050405020304" pitchFamily="18" charset="0"/>
+                        </a:rPr>
+                        <a:t>One word</a:t>
+                      </a:r>
+                    </a:p>
+                  </a:txBody>
+                  <a:tcPr marL="68580" marR="68580" marT="0" marB="0">
+                    <a:lnL w="12700" cap="flat" cmpd="sng" algn="ctr">
+                      <a:solidFill>
+                        <a:srgbClr val="000000"/>
+                      </a:solidFill>
+                      <a:prstDash val="solid"/>
+                      <a:round/>
+                      <a:headEnd type="none" w="med" len="med"/>
+                      <a:tailEnd type="none" w="med" len="med"/>
+                    </a:lnL>
+                    <a:lnR w="12700" cap="flat" cmpd="sng" algn="ctr">
+                      <a:solidFill>
+                        <a:srgbClr val="000000"/>
+                      </a:solidFill>
+                      <a:prstDash val="solid"/>
+                      <a:round/>
+                      <a:headEnd type="none" w="med" len="med"/>
+                      <a:tailEnd type="none" w="med" len="med"/>
+                    </a:lnR>
+                    <a:lnT w="12700" cap="flat" cmpd="sng" algn="ctr">
+                      <a:solidFill>
+                        <a:srgbClr val="000000"/>
+                      </a:solidFill>
+                      <a:prstDash val="solid"/>
+                      <a:round/>
+                      <a:headEnd type="none" w="med" len="med"/>
+                      <a:tailEnd type="none" w="med" len="med"/>
+                    </a:lnT>
+                    <a:lnB w="12700" cap="flat" cmpd="sng" algn="ctr">
+                      <a:solidFill>
+                        <a:srgbClr val="000000"/>
+                      </a:solidFill>
+                      <a:prstDash val="solid"/>
+                      <a:round/>
+                      <a:headEnd type="none" w="med" len="med"/>
+                      <a:tailEnd type="none" w="med" len="med"/>
+                    </a:lnB>
+                  </a:tcPr>
+                </a:tc>
+                <a:tc>
+                  <a:txBody>
+                    <a:bodyPr/>
+                    <a:lstStyle/>
+                    <a:p>
+                      <a:pPr marL="0" marR="0">
+                        <a:lnSpc>
+                          <a:spcPct val="107000"/>
+                        </a:lnSpc>
+                        <a:spcBef>
+                          <a:spcPts val="0"/>
+                        </a:spcBef>
+                        <a:spcAft>
+                          <a:spcPts val="0"/>
+                        </a:spcAft>
+                      </a:pPr>
+                      <a:r>
+                        <a:rPr lang="en-US" sz="1400" dirty="0">
+                          <a:effectLst/>
+                          <a:latin typeface="Calibri" panose="020F0502020204030204" pitchFamily="34" charset="0"/>
+                          <a:ea typeface="Calibri" panose="020F0502020204030204" pitchFamily="34" charset="0"/>
+                          <a:cs typeface="Times New Roman" panose="02020603050405020304" pitchFamily="18" charset="0"/>
+                        </a:rPr>
+                        <a:t>Temperature</a:t>
+                      </a:r>
+                    </a:p>
+                  </a:txBody>
+                  <a:tcPr marL="68580" marR="68580" marT="0" marB="0">
+                    <a:lnL w="12700" cap="flat" cmpd="sng" algn="ctr">
+                      <a:solidFill>
+                        <a:srgbClr val="000000"/>
+                      </a:solidFill>
+                      <a:prstDash val="solid"/>
+                      <a:round/>
+                      <a:headEnd type="none" w="med" len="med"/>
+                      <a:tailEnd type="none" w="med" len="med"/>
+                    </a:lnL>
+                    <a:lnR w="12700" cap="flat" cmpd="sng" algn="ctr">
+                      <a:solidFill>
+                        <a:srgbClr val="000000"/>
+                      </a:solidFill>
+                      <a:prstDash val="solid"/>
+                      <a:round/>
+                      <a:headEnd type="none" w="med" len="med"/>
+                      <a:tailEnd type="none" w="med" len="med"/>
+                    </a:lnR>
+                    <a:lnT w="12700" cap="flat" cmpd="sng" algn="ctr">
+                      <a:solidFill>
+                        <a:srgbClr val="000000"/>
+                      </a:solidFill>
+                      <a:prstDash val="solid"/>
+                      <a:round/>
+                      <a:headEnd type="none" w="med" len="med"/>
+                      <a:tailEnd type="none" w="med" len="med"/>
+                    </a:lnT>
+                    <a:lnB w="12700" cap="flat" cmpd="sng" algn="ctr">
+                      <a:solidFill>
+                        <a:srgbClr val="000000"/>
+                      </a:solidFill>
+                      <a:prstDash val="solid"/>
+                      <a:round/>
+                      <a:headEnd type="none" w="med" len="med"/>
+                      <a:tailEnd type="none" w="med" len="med"/>
+                    </a:lnB>
+                  </a:tcPr>
+                </a:tc>
+                <a:extLst>
+                  <a:ext uri="{0D108BD9-81ED-4DB2-BD59-A6C34878D82A}">
+                    <a16:rowId xmlns:a16="http://schemas.microsoft.com/office/drawing/2014/main" val="1328318205"/>
+                  </a:ext>
+                </a:extLst>
+              </a:tr>
+              <a:tr h="293419">
+                <a:tc>
+                  <a:txBody>
+                    <a:bodyPr/>
+                    <a:lstStyle/>
+                    <a:p>
+                      <a:pPr marL="0" marR="0">
+                        <a:lnSpc>
+                          <a:spcPct val="107000"/>
+                        </a:lnSpc>
+                        <a:spcBef>
+                          <a:spcPts val="0"/>
+                        </a:spcBef>
+                        <a:spcAft>
+                          <a:spcPts val="0"/>
+                        </a:spcAft>
+                      </a:pPr>
+                      <a:r>
+                        <a:rPr lang="en-US" sz="1400">
+                          <a:effectLst/>
+                          <a:latin typeface="Calibri" panose="020F0502020204030204" pitchFamily="34" charset="0"/>
+                          <a:ea typeface="Calibri" panose="020F0502020204030204" pitchFamily="34" charset="0"/>
+                          <a:cs typeface="Times New Roman" panose="02020603050405020304" pitchFamily="18" charset="0"/>
+                        </a:rPr>
+                        <a:t>Bi-gram</a:t>
+                      </a:r>
+                    </a:p>
+                  </a:txBody>
+                  <a:tcPr marL="68580" marR="68580" marT="0" marB="0">
+                    <a:lnL w="12700" cap="flat" cmpd="sng" algn="ctr">
+                      <a:solidFill>
+                        <a:srgbClr val="000000"/>
+                      </a:solidFill>
+                      <a:prstDash val="solid"/>
+                      <a:round/>
+                      <a:headEnd type="none" w="med" len="med"/>
+                      <a:tailEnd type="none" w="med" len="med"/>
+                    </a:lnL>
+                    <a:lnR w="12700" cap="flat" cmpd="sng" algn="ctr">
+                      <a:solidFill>
+                        <a:srgbClr val="000000"/>
+                      </a:solidFill>
+                      <a:prstDash val="solid"/>
+                      <a:round/>
+                      <a:headEnd type="none" w="med" len="med"/>
+                      <a:tailEnd type="none" w="med" len="med"/>
+                    </a:lnR>
+                    <a:lnT w="12700" cap="flat" cmpd="sng" algn="ctr">
+                      <a:solidFill>
+                        <a:srgbClr val="000000"/>
+                      </a:solidFill>
+                      <a:prstDash val="solid"/>
+                      <a:round/>
+                      <a:headEnd type="none" w="med" len="med"/>
+                      <a:tailEnd type="none" w="med" len="med"/>
+                    </a:lnT>
+                    <a:lnB w="12700" cap="flat" cmpd="sng" algn="ctr">
+                      <a:solidFill>
+                        <a:srgbClr val="000000"/>
+                      </a:solidFill>
+                      <a:prstDash val="solid"/>
+                      <a:round/>
+                      <a:headEnd type="none" w="med" len="med"/>
+                      <a:tailEnd type="none" w="med" len="med"/>
+                    </a:lnB>
+                  </a:tcPr>
+                </a:tc>
+                <a:tc>
+                  <a:txBody>
+                    <a:bodyPr/>
+                    <a:lstStyle/>
+                    <a:p>
+                      <a:pPr marL="0" marR="0">
+                        <a:lnSpc>
+                          <a:spcPct val="107000"/>
+                        </a:lnSpc>
+                        <a:spcBef>
+                          <a:spcPts val="0"/>
+                        </a:spcBef>
+                        <a:spcAft>
+                          <a:spcPts val="0"/>
+                        </a:spcAft>
+                      </a:pPr>
+                      <a:r>
+                        <a:rPr lang="en-US" sz="1400" dirty="0">
+                          <a:effectLst/>
+                          <a:latin typeface="Calibri" panose="020F0502020204030204" pitchFamily="34" charset="0"/>
+                          <a:ea typeface="Calibri" panose="020F0502020204030204" pitchFamily="34" charset="0"/>
+                          <a:cs typeface="Times New Roman" panose="02020603050405020304" pitchFamily="18" charset="0"/>
+                        </a:rPr>
+                        <a:t>Two words</a:t>
+                      </a:r>
+                    </a:p>
+                  </a:txBody>
+                  <a:tcPr marL="68580" marR="68580" marT="0" marB="0">
+                    <a:lnL w="12700" cap="flat" cmpd="sng" algn="ctr">
+                      <a:solidFill>
+                        <a:srgbClr val="000000"/>
+                      </a:solidFill>
+                      <a:prstDash val="solid"/>
+                      <a:round/>
+                      <a:headEnd type="none" w="med" len="med"/>
+                      <a:tailEnd type="none" w="med" len="med"/>
+                    </a:lnL>
+                    <a:lnR w="12700" cap="flat" cmpd="sng" algn="ctr">
+                      <a:solidFill>
+                        <a:srgbClr val="000000"/>
+                      </a:solidFill>
+                      <a:prstDash val="solid"/>
+                      <a:round/>
+                      <a:headEnd type="none" w="med" len="med"/>
+                      <a:tailEnd type="none" w="med" len="med"/>
+                    </a:lnR>
+                    <a:lnT w="12700" cap="flat" cmpd="sng" algn="ctr">
+                      <a:solidFill>
+                        <a:srgbClr val="000000"/>
+                      </a:solidFill>
+                      <a:prstDash val="solid"/>
+                      <a:round/>
+                      <a:headEnd type="none" w="med" len="med"/>
+                      <a:tailEnd type="none" w="med" len="med"/>
+                    </a:lnT>
+                    <a:lnB w="12700" cap="flat" cmpd="sng" algn="ctr">
+                      <a:solidFill>
+                        <a:srgbClr val="000000"/>
+                      </a:solidFill>
+                      <a:prstDash val="solid"/>
+                      <a:round/>
+                      <a:headEnd type="none" w="med" len="med"/>
+                      <a:tailEnd type="none" w="med" len="med"/>
+                    </a:lnB>
+                  </a:tcPr>
+                </a:tc>
+                <a:tc>
+                  <a:txBody>
+                    <a:bodyPr/>
+                    <a:lstStyle/>
+                    <a:p>
+                      <a:pPr marL="0" marR="0">
+                        <a:lnSpc>
+                          <a:spcPct val="107000"/>
+                        </a:lnSpc>
+                        <a:spcBef>
+                          <a:spcPts val="0"/>
+                        </a:spcBef>
+                        <a:spcAft>
+                          <a:spcPts val="0"/>
+                        </a:spcAft>
+                      </a:pPr>
+                      <a:r>
+                        <a:rPr lang="en-US" sz="1400" dirty="0">
+                          <a:solidFill>
+                            <a:srgbClr val="FF0000"/>
+                          </a:solidFill>
+                          <a:effectLst/>
+                          <a:latin typeface="Calibri" panose="020F0502020204030204" pitchFamily="34" charset="0"/>
+                          <a:ea typeface="Calibri" panose="020F0502020204030204" pitchFamily="34" charset="0"/>
+                          <a:cs typeface="Times New Roman" panose="02020603050405020304" pitchFamily="18" charset="0"/>
+                        </a:rPr>
+                        <a:t>Air </a:t>
+                      </a:r>
+                      <a:r>
+                        <a:rPr lang="en-US" sz="1400" dirty="0" smtClean="0">
+                          <a:solidFill>
+                            <a:srgbClr val="FF0000"/>
+                          </a:solidFill>
+                          <a:effectLst/>
+                          <a:latin typeface="Calibri" panose="020F0502020204030204" pitchFamily="34" charset="0"/>
+                          <a:ea typeface="Calibri" panose="020F0502020204030204" pitchFamily="34" charset="0"/>
+                          <a:cs typeface="Times New Roman" panose="02020603050405020304" pitchFamily="18" charset="0"/>
+                        </a:rPr>
+                        <a:t>Temperature</a:t>
+                      </a:r>
+                    </a:p>
+                  </a:txBody>
+                  <a:tcPr marL="68580" marR="68580" marT="0" marB="0">
+                    <a:lnL w="12700" cap="flat" cmpd="sng" algn="ctr">
+                      <a:solidFill>
+                        <a:srgbClr val="000000"/>
+                      </a:solidFill>
+                      <a:prstDash val="solid"/>
+                      <a:round/>
+                      <a:headEnd type="none" w="med" len="med"/>
+                      <a:tailEnd type="none" w="med" len="med"/>
+                    </a:lnL>
+                    <a:lnR w="12700" cap="flat" cmpd="sng" algn="ctr">
+                      <a:solidFill>
+                        <a:srgbClr val="000000"/>
+                      </a:solidFill>
+                      <a:prstDash val="solid"/>
+                      <a:round/>
+                      <a:headEnd type="none" w="med" len="med"/>
+                      <a:tailEnd type="none" w="med" len="med"/>
+                    </a:lnR>
+                    <a:lnT w="12700" cap="flat" cmpd="sng" algn="ctr">
+                      <a:solidFill>
+                        <a:srgbClr val="000000"/>
+                      </a:solidFill>
+                      <a:prstDash val="solid"/>
+                      <a:round/>
+                      <a:headEnd type="none" w="med" len="med"/>
+                      <a:tailEnd type="none" w="med" len="med"/>
+                    </a:lnT>
+                    <a:lnB w="12700" cap="flat" cmpd="sng" algn="ctr">
+                      <a:solidFill>
+                        <a:srgbClr val="000000"/>
+                      </a:solidFill>
+                      <a:prstDash val="solid"/>
+                      <a:round/>
+                      <a:headEnd type="none" w="med" len="med"/>
+                      <a:tailEnd type="none" w="med" len="med"/>
+                    </a:lnB>
+                  </a:tcPr>
+                </a:tc>
+                <a:extLst>
+                  <a:ext uri="{0D108BD9-81ED-4DB2-BD59-A6C34878D82A}">
+                    <a16:rowId xmlns:a16="http://schemas.microsoft.com/office/drawing/2014/main" val="3821510077"/>
+                  </a:ext>
+                </a:extLst>
+              </a:tr>
+              <a:tr h="997696">
+                <a:tc>
+                  <a:txBody>
+                    <a:bodyPr/>
+                    <a:lstStyle/>
+                    <a:p>
+                      <a:pPr marL="0" marR="0">
+                        <a:lnSpc>
+                          <a:spcPct val="107000"/>
+                        </a:lnSpc>
+                        <a:spcBef>
+                          <a:spcPts val="0"/>
+                        </a:spcBef>
+                        <a:spcAft>
+                          <a:spcPts val="0"/>
+                        </a:spcAft>
+                      </a:pPr>
+                      <a:r>
+                        <a:rPr lang="en-US" sz="1400" dirty="0">
+                          <a:effectLst/>
+                          <a:latin typeface="Calibri" panose="020F0502020204030204" pitchFamily="34" charset="0"/>
+                          <a:ea typeface="Calibri" panose="020F0502020204030204" pitchFamily="34" charset="0"/>
+                          <a:cs typeface="Times New Roman" panose="02020603050405020304" pitchFamily="18" charset="0"/>
+                        </a:rPr>
+                        <a:t>Tri-gram</a:t>
+                      </a:r>
+                    </a:p>
+                  </a:txBody>
+                  <a:tcPr marL="68580" marR="68580" marT="0" marB="0">
+                    <a:lnL w="12700" cap="flat" cmpd="sng" algn="ctr">
+                      <a:solidFill>
+                        <a:srgbClr val="000000"/>
+                      </a:solidFill>
+                      <a:prstDash val="solid"/>
+                      <a:round/>
+                      <a:headEnd type="none" w="med" len="med"/>
+                      <a:tailEnd type="none" w="med" len="med"/>
+                    </a:lnL>
+                    <a:lnR w="12700" cap="flat" cmpd="sng" algn="ctr">
+                      <a:solidFill>
+                        <a:srgbClr val="000000"/>
+                      </a:solidFill>
+                      <a:prstDash val="solid"/>
+                      <a:round/>
+                      <a:headEnd type="none" w="med" len="med"/>
+                      <a:tailEnd type="none" w="med" len="med"/>
+                    </a:lnR>
+                    <a:lnT w="12700" cap="flat" cmpd="sng" algn="ctr">
+                      <a:solidFill>
+                        <a:srgbClr val="000000"/>
+                      </a:solidFill>
+                      <a:prstDash val="solid"/>
+                      <a:round/>
+                      <a:headEnd type="none" w="med" len="med"/>
+                      <a:tailEnd type="none" w="med" len="med"/>
+                    </a:lnT>
+                    <a:lnB w="12700" cap="flat" cmpd="sng" algn="ctr">
+                      <a:solidFill>
+                        <a:srgbClr val="000000"/>
+                      </a:solidFill>
+                      <a:prstDash val="solid"/>
+                      <a:round/>
+                      <a:headEnd type="none" w="med" len="med"/>
+                      <a:tailEnd type="none" w="med" len="med"/>
+                    </a:lnB>
+                  </a:tcPr>
+                </a:tc>
+                <a:tc>
+                  <a:txBody>
+                    <a:bodyPr/>
+                    <a:lstStyle/>
+                    <a:p>
+                      <a:pPr marL="0" marR="0">
+                        <a:lnSpc>
+                          <a:spcPct val="107000"/>
+                        </a:lnSpc>
+                        <a:spcBef>
+                          <a:spcPts val="0"/>
+                        </a:spcBef>
+                        <a:spcAft>
+                          <a:spcPts val="0"/>
+                        </a:spcAft>
+                      </a:pPr>
+                      <a:r>
+                        <a:rPr lang="en-US" sz="1400" dirty="0">
+                          <a:effectLst/>
+                          <a:latin typeface="Calibri" panose="020F0502020204030204" pitchFamily="34" charset="0"/>
+                          <a:ea typeface="Calibri" panose="020F0502020204030204" pitchFamily="34" charset="0"/>
+                          <a:cs typeface="Times New Roman" panose="02020603050405020304" pitchFamily="18" charset="0"/>
+                        </a:rPr>
+                        <a:t>Three words</a:t>
+                      </a:r>
+                    </a:p>
+                  </a:txBody>
+                  <a:tcPr marL="68580" marR="68580" marT="0" marB="0">
+                    <a:lnL w="12700" cap="flat" cmpd="sng" algn="ctr">
+                      <a:solidFill>
+                        <a:srgbClr val="000000"/>
+                      </a:solidFill>
+                      <a:prstDash val="solid"/>
+                      <a:round/>
+                      <a:headEnd type="none" w="med" len="med"/>
+                      <a:tailEnd type="none" w="med" len="med"/>
+                    </a:lnL>
+                    <a:lnR w="12700" cap="flat" cmpd="sng" algn="ctr">
+                      <a:solidFill>
+                        <a:srgbClr val="000000"/>
+                      </a:solidFill>
+                      <a:prstDash val="solid"/>
+                      <a:round/>
+                      <a:headEnd type="none" w="med" len="med"/>
+                      <a:tailEnd type="none" w="med" len="med"/>
+                    </a:lnR>
+                    <a:lnT w="12700" cap="flat" cmpd="sng" algn="ctr">
+                      <a:solidFill>
+                        <a:srgbClr val="000000"/>
+                      </a:solidFill>
+                      <a:prstDash val="solid"/>
+                      <a:round/>
+                      <a:headEnd type="none" w="med" len="med"/>
+                      <a:tailEnd type="none" w="med" len="med"/>
+                    </a:lnT>
+                    <a:lnB w="12700" cap="flat" cmpd="sng" algn="ctr">
+                      <a:solidFill>
+                        <a:srgbClr val="000000"/>
+                      </a:solidFill>
+                      <a:prstDash val="solid"/>
+                      <a:round/>
+                      <a:headEnd type="none" w="med" len="med"/>
+                      <a:tailEnd type="none" w="med" len="med"/>
+                    </a:lnB>
+                  </a:tcPr>
+                </a:tc>
+                <a:tc>
+                  <a:txBody>
+                    <a:bodyPr/>
+                    <a:lstStyle/>
+                    <a:p>
+                      <a:pPr marL="0" marR="0">
+                        <a:lnSpc>
+                          <a:spcPct val="107000"/>
+                        </a:lnSpc>
+                        <a:spcBef>
+                          <a:spcPts val="0"/>
+                        </a:spcBef>
+                        <a:spcAft>
+                          <a:spcPts val="0"/>
+                        </a:spcAft>
+                      </a:pPr>
+                      <a:r>
+                        <a:rPr lang="en-US" sz="1400" dirty="0">
+                          <a:effectLst/>
+                          <a:latin typeface="Calibri" panose="020F0502020204030204" pitchFamily="34" charset="0"/>
+                          <a:ea typeface="Calibri" panose="020F0502020204030204" pitchFamily="34" charset="0"/>
+                          <a:cs typeface="Times New Roman" panose="02020603050405020304" pitchFamily="18" charset="0"/>
+                        </a:rPr>
+                        <a:t>Minimum Air Temperature</a:t>
+                      </a:r>
+                    </a:p>
+                    <a:p>
+                      <a:pPr marL="0" marR="0">
+                        <a:lnSpc>
+                          <a:spcPct val="107000"/>
+                        </a:lnSpc>
+                        <a:spcBef>
+                          <a:spcPts val="0"/>
+                        </a:spcBef>
+                        <a:spcAft>
+                          <a:spcPts val="0"/>
+                        </a:spcAft>
+                      </a:pPr>
+                      <a:r>
+                        <a:rPr lang="en-US" sz="1400" dirty="0">
+                          <a:effectLst/>
+                          <a:latin typeface="Calibri" panose="020F0502020204030204" pitchFamily="34" charset="0"/>
+                          <a:ea typeface="Calibri" panose="020F0502020204030204" pitchFamily="34" charset="0"/>
+                          <a:cs typeface="Times New Roman" panose="02020603050405020304" pitchFamily="18" charset="0"/>
+                        </a:rPr>
+                        <a:t>Maximum Air Temperature</a:t>
+                      </a:r>
+                    </a:p>
+                    <a:p>
+                      <a:pPr marL="0" marR="0">
+                        <a:lnSpc>
+                          <a:spcPct val="107000"/>
+                        </a:lnSpc>
+                        <a:spcBef>
+                          <a:spcPts val="0"/>
+                        </a:spcBef>
+                        <a:spcAft>
+                          <a:spcPts val="0"/>
+                        </a:spcAft>
+                      </a:pPr>
+                      <a:r>
+                        <a:rPr lang="en-US" sz="1400" dirty="0">
+                          <a:effectLst/>
+                          <a:latin typeface="Calibri" panose="020F0502020204030204" pitchFamily="34" charset="0"/>
+                          <a:ea typeface="Calibri" panose="020F0502020204030204" pitchFamily="34" charset="0"/>
+                          <a:cs typeface="Times New Roman" panose="02020603050405020304" pitchFamily="18" charset="0"/>
+                        </a:rPr>
+                        <a:t>Average Air Temperature</a:t>
+                      </a:r>
+                    </a:p>
+                    <a:p>
+                      <a:pPr marL="0" marR="0">
+                        <a:lnSpc>
+                          <a:spcPct val="107000"/>
+                        </a:lnSpc>
+                        <a:spcBef>
+                          <a:spcPts val="0"/>
+                        </a:spcBef>
+                        <a:spcAft>
+                          <a:spcPts val="0"/>
+                        </a:spcAft>
+                      </a:pPr>
+                      <a:r>
+                        <a:rPr lang="en-US" sz="1400" dirty="0" smtClean="0">
+                          <a:effectLst/>
+                          <a:latin typeface="Calibri" panose="020F0502020204030204" pitchFamily="34" charset="0"/>
+                          <a:ea typeface="Calibri" panose="020F0502020204030204" pitchFamily="34" charset="0"/>
+                          <a:cs typeface="Times New Roman" panose="02020603050405020304" pitchFamily="18" charset="0"/>
+                        </a:rPr>
+                        <a:t>….</a:t>
+                      </a:r>
+                      <a:endParaRPr lang="en-US" sz="1400" dirty="0">
+                        <a:effectLst/>
+                        <a:latin typeface="Calibri" panose="020F0502020204030204" pitchFamily="34" charset="0"/>
+                        <a:ea typeface="Calibri" panose="020F0502020204030204" pitchFamily="34" charset="0"/>
+                        <a:cs typeface="Times New Roman" panose="02020603050405020304" pitchFamily="18" charset="0"/>
+                      </a:endParaRPr>
+                    </a:p>
+                  </a:txBody>
+                  <a:tcPr marL="68580" marR="68580" marT="0" marB="0">
+                    <a:lnL w="12700" cap="flat" cmpd="sng" algn="ctr">
+                      <a:solidFill>
+                        <a:srgbClr val="000000"/>
+                      </a:solidFill>
+                      <a:prstDash val="solid"/>
+                      <a:round/>
+                      <a:headEnd type="none" w="med" len="med"/>
+                      <a:tailEnd type="none" w="med" len="med"/>
+                    </a:lnL>
+                    <a:lnR w="12700" cap="flat" cmpd="sng" algn="ctr">
+                      <a:solidFill>
+                        <a:srgbClr val="000000"/>
+                      </a:solidFill>
+                      <a:prstDash val="solid"/>
+                      <a:round/>
+                      <a:headEnd type="none" w="med" len="med"/>
+                      <a:tailEnd type="none" w="med" len="med"/>
+                    </a:lnR>
+                    <a:lnT w="12700" cap="flat" cmpd="sng" algn="ctr">
+                      <a:solidFill>
+                        <a:srgbClr val="000000"/>
+                      </a:solidFill>
+                      <a:prstDash val="solid"/>
+                      <a:round/>
+                      <a:headEnd type="none" w="med" len="med"/>
+                      <a:tailEnd type="none" w="med" len="med"/>
+                    </a:lnT>
+                    <a:lnB w="12700" cap="flat" cmpd="sng" algn="ctr">
+                      <a:solidFill>
+                        <a:srgbClr val="000000"/>
+                      </a:solidFill>
+                      <a:prstDash val="solid"/>
+                      <a:round/>
+                      <a:headEnd type="none" w="med" len="med"/>
+                      <a:tailEnd type="none" w="med" len="med"/>
+                    </a:lnB>
+                  </a:tcPr>
+                </a:tc>
+                <a:extLst>
+                  <a:ext uri="{0D108BD9-81ED-4DB2-BD59-A6C34878D82A}">
+                    <a16:rowId xmlns:a16="http://schemas.microsoft.com/office/drawing/2014/main" val="1512121232"/>
+                  </a:ext>
+                </a:extLst>
+              </a:tr>
+            </a:tbl>
+          </a:graphicData>
+        </a:graphic>
+      </p:graphicFrame>
+      <p:sp>
+        <p:nvSpPr>
+          <p:cNvPr id="5" name="Rectangle 4"/>
+          <p:cNvSpPr/>
+          <p:nvPr/>
+        </p:nvSpPr>
+        <p:spPr>
+          <a:xfrm>
+            <a:off x="5095874" y="2370584"/>
+            <a:ext cx="3838575" cy="646331"/>
+          </a:xfrm>
+          <a:prstGeom prst="rect">
+            <a:avLst/>
+          </a:prstGeom>
+        </p:spPr>
+        <p:txBody>
+          <a:bodyPr wrap="square">
+            <a:spAutoFit/>
+          </a:bodyPr>
+          <a:lstStyle/>
+          <a:p>
+            <a:r>
+              <a:rPr lang="en-US" u="sng" dirty="0" smtClean="0">
+                <a:solidFill>
+                  <a:srgbClr val="444444"/>
+                </a:solidFill>
+                <a:latin typeface="Source Sans Pro"/>
+              </a:rPr>
+              <a:t>Front end of metScanR</a:t>
+            </a:r>
+          </a:p>
+          <a:p>
+            <a:r>
+              <a:rPr lang="en-US" dirty="0" smtClean="0">
+                <a:solidFill>
+                  <a:srgbClr val="444444"/>
+                </a:solidFill>
+                <a:latin typeface="Source Sans Pro"/>
+              </a:rPr>
+              <a:t>User searches for “Air Temperature”</a:t>
+            </a:r>
+            <a:endParaRPr lang="en-US" dirty="0">
+              <a:solidFill>
+                <a:srgbClr val="444444"/>
+              </a:solidFill>
+              <a:latin typeface="Source Sans Pro"/>
+            </a:endParaRPr>
+          </a:p>
+        </p:txBody>
+      </p:sp>
+      <p:cxnSp>
+        <p:nvCxnSpPr>
+          <p:cNvPr id="6" name="Straight Arrow Connector 5"/>
+          <p:cNvCxnSpPr/>
+          <p:nvPr/>
+        </p:nvCxnSpPr>
+        <p:spPr>
+          <a:xfrm flipV="1">
+            <a:off x="3724275" y="2847975"/>
+            <a:ext cx="1257300" cy="28575"/>
+          </a:xfrm>
+          <a:prstGeom prst="straightConnector1">
+            <a:avLst/>
+          </a:prstGeom>
+          <a:ln w="28575">
+            <a:solidFill>
+              <a:schemeClr val="tx2"/>
+            </a:solidFill>
+            <a:tailEnd type="triangle"/>
+          </a:ln>
+        </p:spPr>
+        <p:style>
+          <a:lnRef idx="1">
+            <a:schemeClr val="accent1"/>
+          </a:lnRef>
+          <a:fillRef idx="0">
+            <a:schemeClr val="accent1"/>
+          </a:fillRef>
+          <a:effectRef idx="0">
+            <a:schemeClr val="accent1"/>
+          </a:effectRef>
+          <a:fontRef idx="minor">
+            <a:schemeClr val="tx1"/>
+          </a:fontRef>
+        </p:style>
+      </p:cxnSp>
+      <p:pic>
+        <p:nvPicPr>
+          <p:cNvPr id="7" name="Picture 6"/>
+          <p:cNvPicPr>
+            <a:picLocks noChangeAspect="1"/>
+          </p:cNvPicPr>
+          <p:nvPr/>
+        </p:nvPicPr>
+        <p:blipFill>
+          <a:blip r:embed="rId2"/>
+          <a:stretch>
+            <a:fillRect/>
+          </a:stretch>
+        </p:blipFill>
+        <p:spPr>
+          <a:xfrm>
+            <a:off x="288586" y="4445257"/>
+            <a:ext cx="8067675" cy="1533525"/>
+          </a:xfrm>
+          <a:prstGeom prst="rect">
+            <a:avLst/>
+          </a:prstGeom>
+        </p:spPr>
+      </p:pic>
+      <p:sp>
+        <p:nvSpPr>
+          <p:cNvPr id="8" name="Rectangle 7"/>
+          <p:cNvSpPr/>
+          <p:nvPr/>
+        </p:nvSpPr>
+        <p:spPr>
+          <a:xfrm>
+            <a:off x="5095874" y="3326909"/>
+            <a:ext cx="3971926" cy="923330"/>
+          </a:xfrm>
+          <a:prstGeom prst="rect">
+            <a:avLst/>
+          </a:prstGeom>
+        </p:spPr>
+        <p:txBody>
+          <a:bodyPr wrap="square">
+            <a:spAutoFit/>
+          </a:bodyPr>
+          <a:lstStyle/>
+          <a:p>
+            <a:r>
+              <a:rPr lang="en-US" u="sng" dirty="0" smtClean="0">
+                <a:solidFill>
+                  <a:srgbClr val="444444"/>
+                </a:solidFill>
+                <a:latin typeface="Source Sans Pro"/>
+              </a:rPr>
+              <a:t>Back-end of metScanR</a:t>
+            </a:r>
+            <a:r>
+              <a:rPr lang="en-US" dirty="0" smtClean="0">
+                <a:solidFill>
+                  <a:srgbClr val="444444"/>
+                </a:solidFill>
+                <a:latin typeface="Source Sans Pro"/>
+              </a:rPr>
+              <a:t> </a:t>
+            </a:r>
+          </a:p>
+          <a:p>
+            <a:r>
+              <a:rPr lang="en-US" dirty="0" smtClean="0">
+                <a:solidFill>
+                  <a:srgbClr val="444444"/>
+                </a:solidFill>
+                <a:latin typeface="Source Sans Pro"/>
+              </a:rPr>
+              <a:t>Database link between </a:t>
+            </a:r>
+            <a:r>
+              <a:rPr lang="en-US" dirty="0">
+                <a:solidFill>
+                  <a:srgbClr val="444444"/>
+                </a:solidFill>
+                <a:latin typeface="Source Sans Pro"/>
+              </a:rPr>
+              <a:t>n-grams </a:t>
+            </a:r>
+            <a:r>
+              <a:rPr lang="en-US" dirty="0" smtClean="0">
+                <a:solidFill>
+                  <a:srgbClr val="444444"/>
+                </a:solidFill>
+                <a:latin typeface="Source Sans Pro"/>
+              </a:rPr>
+              <a:t>&amp; network-specific codes </a:t>
+            </a:r>
+            <a:r>
+              <a:rPr lang="en-US" dirty="0">
+                <a:solidFill>
+                  <a:srgbClr val="444444"/>
+                </a:solidFill>
+                <a:latin typeface="Source Sans Pro"/>
+              </a:rPr>
+              <a:t>(</a:t>
+            </a:r>
+            <a:r>
+              <a:rPr lang="en-US" i="1" dirty="0">
+                <a:solidFill>
+                  <a:srgbClr val="444444"/>
+                </a:solidFill>
+                <a:latin typeface="Source Sans Pro"/>
+              </a:rPr>
+              <a:t>subCodes</a:t>
+            </a:r>
+            <a:r>
+              <a:rPr lang="en-US" dirty="0">
+                <a:solidFill>
+                  <a:srgbClr val="444444"/>
+                </a:solidFill>
+                <a:latin typeface="Source Sans Pro"/>
+              </a:rPr>
+              <a:t>) </a:t>
+            </a:r>
+          </a:p>
+        </p:txBody>
+      </p:sp>
+      <p:cxnSp>
+        <p:nvCxnSpPr>
+          <p:cNvPr id="9" name="Straight Arrow Connector 8"/>
+          <p:cNvCxnSpPr/>
+          <p:nvPr/>
+        </p:nvCxnSpPr>
+        <p:spPr>
+          <a:xfrm flipH="1">
+            <a:off x="1752600" y="3016915"/>
+            <a:ext cx="962025" cy="1650335"/>
+          </a:xfrm>
+          <a:prstGeom prst="straightConnector1">
+            <a:avLst/>
+          </a:prstGeom>
+          <a:ln w="28575">
+            <a:solidFill>
+              <a:schemeClr val="tx2"/>
+            </a:solidFill>
+            <a:tailEnd type="triangle"/>
+          </a:ln>
+        </p:spPr>
+        <p:style>
+          <a:lnRef idx="1">
+            <a:schemeClr val="accent1"/>
+          </a:lnRef>
+          <a:fillRef idx="0">
+            <a:schemeClr val="accent1"/>
+          </a:fillRef>
+          <a:effectRef idx="0">
+            <a:schemeClr val="accent1"/>
+          </a:effectRef>
+          <a:fontRef idx="minor">
+            <a:schemeClr val="tx1"/>
+          </a:fontRef>
+        </p:style>
+      </p:cxnSp>
+      <p:cxnSp>
+        <p:nvCxnSpPr>
+          <p:cNvPr id="10" name="Straight Connector 9"/>
+          <p:cNvCxnSpPr/>
+          <p:nvPr/>
+        </p:nvCxnSpPr>
+        <p:spPr>
+          <a:xfrm>
+            <a:off x="1076325" y="4867275"/>
+            <a:ext cx="733425" cy="0"/>
+          </a:xfrm>
+          <a:prstGeom prst="line">
+            <a:avLst/>
+          </a:prstGeom>
+          <a:ln w="28575">
+            <a:solidFill>
+              <a:schemeClr val="tx2"/>
+            </a:solidFill>
+          </a:ln>
+        </p:spPr>
+        <p:style>
+          <a:lnRef idx="1">
+            <a:schemeClr val="accent1"/>
+          </a:lnRef>
+          <a:fillRef idx="0">
+            <a:schemeClr val="accent1"/>
+          </a:fillRef>
+          <a:effectRef idx="0">
+            <a:schemeClr val="accent1"/>
+          </a:effectRef>
+          <a:fontRef idx="minor">
+            <a:schemeClr val="tx1"/>
+          </a:fontRef>
+        </p:style>
+      </p:cxnSp>
+      <p:cxnSp>
+        <p:nvCxnSpPr>
+          <p:cNvPr id="11" name="Straight Connector 10"/>
+          <p:cNvCxnSpPr/>
+          <p:nvPr/>
+        </p:nvCxnSpPr>
+        <p:spPr>
+          <a:xfrm>
+            <a:off x="1609725" y="5067300"/>
+            <a:ext cx="733425" cy="0"/>
+          </a:xfrm>
+          <a:prstGeom prst="line">
+            <a:avLst/>
+          </a:prstGeom>
+          <a:ln w="28575">
+            <a:solidFill>
+              <a:schemeClr val="tx2"/>
+            </a:solidFill>
+          </a:ln>
+        </p:spPr>
+        <p:style>
+          <a:lnRef idx="1">
+            <a:schemeClr val="accent1"/>
+          </a:lnRef>
+          <a:fillRef idx="0">
+            <a:schemeClr val="accent1"/>
+          </a:fillRef>
+          <a:effectRef idx="0">
+            <a:schemeClr val="accent1"/>
+          </a:effectRef>
+          <a:fontRef idx="minor">
+            <a:schemeClr val="tx1"/>
+          </a:fontRef>
+        </p:style>
+      </p:cxnSp>
+      <p:cxnSp>
+        <p:nvCxnSpPr>
+          <p:cNvPr id="12" name="Straight Connector 11"/>
+          <p:cNvCxnSpPr/>
+          <p:nvPr/>
+        </p:nvCxnSpPr>
+        <p:spPr>
+          <a:xfrm>
+            <a:off x="1076325" y="5286375"/>
+            <a:ext cx="733425" cy="0"/>
+          </a:xfrm>
+          <a:prstGeom prst="line">
+            <a:avLst/>
+          </a:prstGeom>
+          <a:ln w="28575">
+            <a:solidFill>
+              <a:schemeClr val="tx2"/>
+            </a:solidFill>
+          </a:ln>
+        </p:spPr>
+        <p:style>
+          <a:lnRef idx="1">
+            <a:schemeClr val="accent1"/>
+          </a:lnRef>
+          <a:fillRef idx="0">
+            <a:schemeClr val="accent1"/>
+          </a:fillRef>
+          <a:effectRef idx="0">
+            <a:schemeClr val="accent1"/>
+          </a:effectRef>
+          <a:fontRef idx="minor">
+            <a:schemeClr val="tx1"/>
+          </a:fontRef>
+        </p:style>
+      </p:cxnSp>
+      <p:cxnSp>
+        <p:nvCxnSpPr>
+          <p:cNvPr id="13" name="Straight Connector 12"/>
+          <p:cNvCxnSpPr/>
+          <p:nvPr/>
+        </p:nvCxnSpPr>
+        <p:spPr>
+          <a:xfrm>
+            <a:off x="1076325" y="5505450"/>
+            <a:ext cx="733425" cy="0"/>
+          </a:xfrm>
+          <a:prstGeom prst="line">
+            <a:avLst/>
+          </a:prstGeom>
+          <a:ln w="28575">
+            <a:solidFill>
+              <a:schemeClr val="tx2"/>
+            </a:solidFill>
+          </a:ln>
+        </p:spPr>
+        <p:style>
+          <a:lnRef idx="1">
+            <a:schemeClr val="accent1"/>
+          </a:lnRef>
+          <a:fillRef idx="0">
+            <a:schemeClr val="accent1"/>
+          </a:fillRef>
+          <a:effectRef idx="0">
+            <a:schemeClr val="accent1"/>
+          </a:effectRef>
+          <a:fontRef idx="minor">
+            <a:schemeClr val="tx1"/>
+          </a:fontRef>
+        </p:style>
+      </p:cxnSp>
+      <p:cxnSp>
+        <p:nvCxnSpPr>
+          <p:cNvPr id="14" name="Straight Connector 13"/>
+          <p:cNvCxnSpPr/>
+          <p:nvPr/>
+        </p:nvCxnSpPr>
+        <p:spPr>
+          <a:xfrm>
+            <a:off x="1076325" y="5743575"/>
+            <a:ext cx="733425" cy="0"/>
+          </a:xfrm>
+          <a:prstGeom prst="line">
+            <a:avLst/>
+          </a:prstGeom>
+          <a:ln w="28575">
+            <a:solidFill>
+              <a:schemeClr val="tx2"/>
+            </a:solidFill>
+          </a:ln>
+        </p:spPr>
+        <p:style>
+          <a:lnRef idx="1">
+            <a:schemeClr val="accent1"/>
+          </a:lnRef>
+          <a:fillRef idx="0">
+            <a:schemeClr val="accent1"/>
+          </a:fillRef>
+          <a:effectRef idx="0">
+            <a:schemeClr val="accent1"/>
+          </a:effectRef>
+          <a:fontRef idx="minor">
+            <a:schemeClr val="tx1"/>
+          </a:fontRef>
+        </p:style>
+      </p:cxnSp>
+      <p:cxnSp>
+        <p:nvCxnSpPr>
+          <p:cNvPr id="15" name="Straight Connector 14"/>
+          <p:cNvCxnSpPr/>
+          <p:nvPr/>
+        </p:nvCxnSpPr>
+        <p:spPr>
+          <a:xfrm>
+            <a:off x="1076325" y="5959732"/>
+            <a:ext cx="733425" cy="0"/>
+          </a:xfrm>
+          <a:prstGeom prst="line">
+            <a:avLst/>
+          </a:prstGeom>
+          <a:ln w="28575">
+            <a:solidFill>
+              <a:schemeClr val="tx2"/>
+            </a:solidFill>
+          </a:ln>
+        </p:spPr>
+        <p:style>
+          <a:lnRef idx="1">
+            <a:schemeClr val="accent1"/>
+          </a:lnRef>
+          <a:fillRef idx="0">
+            <a:schemeClr val="accent1"/>
+          </a:fillRef>
+          <a:effectRef idx="0">
+            <a:schemeClr val="accent1"/>
+          </a:effectRef>
+          <a:fontRef idx="minor">
+            <a:schemeClr val="tx1"/>
+          </a:fontRef>
+        </p:style>
+      </p:cxnSp>
+    </p:spTree>
+    <p:extLst>
+      <p:ext uri="{BB962C8B-B14F-4D97-AF65-F5344CB8AC3E}">
+        <p14:creationId xmlns:p14="http://schemas.microsoft.com/office/powerpoint/2010/main" val="3712348546"/>
+      </p:ext>
+    </p:extLst>
+  </p:cSld>
+  <p:clrMapOvr>
+    <a:masterClrMapping/>
+  </p:clrMapOvr>
+</p:sld>
+</file>
+
 <file path=ppt/theme/theme1.xml><?xml version="1.0" encoding="utf-8"?>
 <a:theme xmlns:a="http://schemas.openxmlformats.org/drawingml/2006/main" name="Office Theme">
   <a:themeElements>
